--- a/로그인회원가입.pptx
+++ b/로그인회원가입.pptx
@@ -120,6 +120,135 @@
     </p:ext>
   </p:extLst>
 </p:presentation>
+</file>
+
+<file path=ppt/revisionInfo.xml><?xml version="1.0" encoding="utf-8"?>
+<p1510:revInfo xmlns:a="http://schemas.openxmlformats.org/drawingml/2006/main" xmlns:r="http://schemas.openxmlformats.org/officeDocument/2006/relationships" xmlns:p1510="http://schemas.microsoft.com/office/powerpoint/2015/10/main">
+  <p1510:revLst>
+    <p1510:client id="{F6280EC1-4304-4F58-9491-5C126EAC36CE}" v="2" dt="2024-08-20T11:59:09.876"/>
+  </p1510:revLst>
+</p1510:revInfo>
+</file>
+
+<file path=ppt/changesInfos/changesInfo1.xml><?xml version="1.0" encoding="utf-8"?>
+<pc:chgInfo xmlns:a="http://schemas.openxmlformats.org/drawingml/2006/main" xmlns:r="http://schemas.openxmlformats.org/officeDocument/2006/relationships" xmlns:ac="http://schemas.microsoft.com/office/drawing/2013/main/command" xmlns:pc="http://schemas.microsoft.com/office/powerpoint/2013/main/command">
+  <pc:docChgLst>
+    <pc:chgData name="주연 박" userId="35dba935e8d452c4" providerId="LiveId" clId="{F6280EC1-4304-4F58-9491-5C126EAC36CE}"/>
+    <pc:docChg chg="custSel modSld">
+      <pc:chgData name="주연 박" userId="35dba935e8d452c4" providerId="LiveId" clId="{F6280EC1-4304-4F58-9491-5C126EAC36CE}" dt="2024-08-20T12:31:26.198" v="175" actId="20577"/>
+      <pc:docMkLst>
+        <pc:docMk/>
+      </pc:docMkLst>
+      <pc:sldChg chg="modSp mod">
+        <pc:chgData name="주연 박" userId="35dba935e8d452c4" providerId="LiveId" clId="{F6280EC1-4304-4F58-9491-5C126EAC36CE}" dt="2024-08-20T12:04:47.134" v="119" actId="20577"/>
+        <pc:sldMkLst>
+          <pc:docMk/>
+          <pc:sldMk cId="1314461921" sldId="256"/>
+        </pc:sldMkLst>
+        <pc:spChg chg="mod">
+          <ac:chgData name="주연 박" userId="35dba935e8d452c4" providerId="LiveId" clId="{F6280EC1-4304-4F58-9491-5C126EAC36CE}" dt="2024-08-20T12:03:31.609" v="95" actId="20577"/>
+          <ac:spMkLst>
+            <pc:docMk/>
+            <pc:sldMk cId="1314461921" sldId="256"/>
+            <ac:spMk id="5" creationId="{00000000-0000-0000-0000-000000000000}"/>
+          </ac:spMkLst>
+        </pc:spChg>
+        <pc:spChg chg="mod">
+          <ac:chgData name="주연 박" userId="35dba935e8d452c4" providerId="LiveId" clId="{F6280EC1-4304-4F58-9491-5C126EAC36CE}" dt="2024-08-20T12:04:47.134" v="119" actId="20577"/>
+          <ac:spMkLst>
+            <pc:docMk/>
+            <pc:sldMk cId="1314461921" sldId="256"/>
+            <ac:spMk id="7" creationId="{00000000-0000-0000-0000-000000000000}"/>
+          </ac:spMkLst>
+        </pc:spChg>
+      </pc:sldChg>
+      <pc:sldChg chg="modSp mod">
+        <pc:chgData name="주연 박" userId="35dba935e8d452c4" providerId="LiveId" clId="{F6280EC1-4304-4F58-9491-5C126EAC36CE}" dt="2024-08-20T12:27:54.123" v="150" actId="20577"/>
+        <pc:sldMkLst>
+          <pc:docMk/>
+          <pc:sldMk cId="2260317433" sldId="258"/>
+        </pc:sldMkLst>
+        <pc:spChg chg="mod">
+          <ac:chgData name="주연 박" userId="35dba935e8d452c4" providerId="LiveId" clId="{F6280EC1-4304-4F58-9491-5C126EAC36CE}" dt="2024-08-20T12:27:54.123" v="150" actId="20577"/>
+          <ac:spMkLst>
+            <pc:docMk/>
+            <pc:sldMk cId="2260317433" sldId="258"/>
+            <ac:spMk id="6" creationId="{84B437E5-65A9-5DA0-3153-0F0E2934EEC9}"/>
+          </ac:spMkLst>
+        </pc:spChg>
+        <pc:spChg chg="mod">
+          <ac:chgData name="주연 박" userId="35dba935e8d452c4" providerId="LiveId" clId="{F6280EC1-4304-4F58-9491-5C126EAC36CE}" dt="2024-08-20T12:17:06.271" v="148" actId="1076"/>
+          <ac:spMkLst>
+            <pc:docMk/>
+            <pc:sldMk cId="2260317433" sldId="258"/>
+            <ac:spMk id="7" creationId="{CB36B6F5-9D28-2588-135D-E9723755050A}"/>
+          </ac:spMkLst>
+        </pc:spChg>
+      </pc:sldChg>
+      <pc:sldChg chg="modSp mod">
+        <pc:chgData name="주연 박" userId="35dba935e8d452c4" providerId="LiveId" clId="{F6280EC1-4304-4F58-9491-5C126EAC36CE}" dt="2024-08-20T12:31:26.198" v="175" actId="20577"/>
+        <pc:sldMkLst>
+          <pc:docMk/>
+          <pc:sldMk cId="1886822333" sldId="259"/>
+        </pc:sldMkLst>
+        <pc:spChg chg="mod">
+          <ac:chgData name="주연 박" userId="35dba935e8d452c4" providerId="LiveId" clId="{F6280EC1-4304-4F58-9491-5C126EAC36CE}" dt="2024-08-20T12:31:26.198" v="175" actId="20577"/>
+          <ac:spMkLst>
+            <pc:docMk/>
+            <pc:sldMk cId="1886822333" sldId="259"/>
+            <ac:spMk id="6" creationId="{6B10D7DF-3227-1B20-8086-EAE5000B00E0}"/>
+          </ac:spMkLst>
+        </pc:spChg>
+        <pc:spChg chg="mod">
+          <ac:chgData name="주연 박" userId="35dba935e8d452c4" providerId="LiveId" clId="{F6280EC1-4304-4F58-9491-5C126EAC36CE}" dt="2024-08-20T11:58:21.134" v="39"/>
+          <ac:spMkLst>
+            <pc:docMk/>
+            <pc:sldMk cId="1886822333" sldId="259"/>
+            <ac:spMk id="9" creationId="{A6771E97-0376-4D97-AF7A-C0C5D39CEAD1}"/>
+          </ac:spMkLst>
+        </pc:spChg>
+      </pc:sldChg>
+      <pc:sldChg chg="modSp mod">
+        <pc:chgData name="주연 박" userId="35dba935e8d452c4" providerId="LiveId" clId="{F6280EC1-4304-4F58-9491-5C126EAC36CE}" dt="2024-08-20T12:05:10.511" v="131" actId="20577"/>
+        <pc:sldMkLst>
+          <pc:docMk/>
+          <pc:sldMk cId="719173044" sldId="261"/>
+        </pc:sldMkLst>
+        <pc:spChg chg="mod">
+          <ac:chgData name="주연 박" userId="35dba935e8d452c4" providerId="LiveId" clId="{F6280EC1-4304-4F58-9491-5C126EAC36CE}" dt="2024-08-20T12:05:10.511" v="131" actId="20577"/>
+          <ac:spMkLst>
+            <pc:docMk/>
+            <pc:sldMk cId="719173044" sldId="261"/>
+            <ac:spMk id="4" creationId="{C39DA3BD-DE99-9ED9-DBB7-18CAB1889814}"/>
+          </ac:spMkLst>
+        </pc:spChg>
+        <pc:spChg chg="mod">
+          <ac:chgData name="주연 박" userId="35dba935e8d452c4" providerId="LiveId" clId="{F6280EC1-4304-4F58-9491-5C126EAC36CE}" dt="2024-08-20T11:59:02.945" v="64"/>
+          <ac:spMkLst>
+            <pc:docMk/>
+            <pc:sldMk cId="719173044" sldId="261"/>
+            <ac:spMk id="7" creationId="{4A03B44A-241D-0466-C52B-6712FCA9DB8E}"/>
+          </ac:spMkLst>
+        </pc:spChg>
+      </pc:sldChg>
+      <pc:sldChg chg="modSp mod">
+        <pc:chgData name="주연 박" userId="35dba935e8d452c4" providerId="LiveId" clId="{F6280EC1-4304-4F58-9491-5C126EAC36CE}" dt="2024-08-20T11:59:09.876" v="75"/>
+        <pc:sldMkLst>
+          <pc:docMk/>
+          <pc:sldMk cId="3840163920" sldId="262"/>
+        </pc:sldMkLst>
+        <pc:spChg chg="mod">
+          <ac:chgData name="주연 박" userId="35dba935e8d452c4" providerId="LiveId" clId="{F6280EC1-4304-4F58-9491-5C126EAC36CE}" dt="2024-08-20T11:59:09.876" v="75"/>
+          <ac:spMkLst>
+            <pc:docMk/>
+            <pc:sldMk cId="3840163920" sldId="262"/>
+            <ac:spMk id="4" creationId="{A2F0E9FD-D0BB-5E76-F0C8-EA3A2B4883F4}"/>
+          </ac:spMkLst>
+        </pc:spChg>
+      </pc:sldChg>
+    </pc:docChg>
+  </pc:docChgLst>
+</pc:chgInfo>
 </file>
 
 <file path=ppt/slideLayouts/slideLayout1.xml><?xml version="1.0" encoding="utf-8"?>
@@ -3454,7 +3583,7 @@
         <p:spPr>
           <a:xfrm>
             <a:off x="218114" y="209724"/>
-            <a:ext cx="3691156" cy="369332"/>
+            <a:ext cx="3691156" cy="646331"/>
           </a:xfrm>
           <a:prstGeom prst="rect">
             <a:avLst/>
@@ -3484,12 +3613,18 @@
               <a:t>UI(</a:t>
             </a:r>
             <a:r>
-              <a:rPr lang="ko-KR" altLang="en-US" dirty="0" err="1"/>
+              <a:rPr lang="ko-KR" altLang="en-US" dirty="0"/>
               <a:t>여기어때</a:t>
             </a:r>
             <a:r>
               <a:rPr lang="en-US" altLang="ko-KR" dirty="0"/>
-              <a:t>)</a:t>
+              <a:t>) – o</a:t>
+            </a:r>
+          </a:p>
+          <a:p>
+            <a:r>
+              <a:rPr lang="en-US" altLang="ko-KR" dirty="0" err="1"/>
+              <a:t>login.jsp</a:t>
             </a:r>
             <a:endParaRPr lang="ko-KR" altLang="en-US" dirty="0"/>
           </a:p>
@@ -3528,7 +3663,7 @@
         <p:spPr>
           <a:xfrm>
             <a:off x="6821648" y="394390"/>
-            <a:ext cx="3691156" cy="369332"/>
+            <a:ext cx="3691156" cy="646331"/>
           </a:xfrm>
           <a:prstGeom prst="rect">
             <a:avLst/>
@@ -3550,12 +3685,18 @@
               <a:t>(</a:t>
             </a:r>
             <a:r>
-              <a:rPr lang="ko-KR" altLang="en-US" dirty="0" err="1"/>
+              <a:rPr lang="ko-KR" altLang="en-US" dirty="0"/>
               <a:t>여기어때</a:t>
             </a:r>
             <a:r>
               <a:rPr lang="en-US" altLang="ko-KR" dirty="0"/>
-              <a:t>)</a:t>
+              <a:t>) – o</a:t>
+            </a:r>
+          </a:p>
+          <a:p>
+            <a:r>
+              <a:rPr lang="en-US" altLang="ko-KR" dirty="0" err="1"/>
+              <a:t>guestLogin.jsp</a:t>
             </a:r>
             <a:endParaRPr lang="ko-KR" altLang="en-US" dirty="0"/>
           </a:p>
@@ -3636,7 +3777,7 @@
         <p:spPr>
           <a:xfrm>
             <a:off x="678119" y="520498"/>
-            <a:ext cx="3691156" cy="369332"/>
+            <a:ext cx="3691156" cy="646331"/>
           </a:xfrm>
           <a:prstGeom prst="rect">
             <a:avLst/>
@@ -3658,12 +3799,23 @@
               <a:t>(</a:t>
             </a:r>
             <a:r>
+              <a:rPr lang="ko-KR" altLang="en-US" dirty="0"/>
+              <a:t>여기어때</a:t>
+            </a:r>
+            <a:r>
+              <a:rPr lang="en-US" altLang="ko-KR" dirty="0"/>
+              <a:t>) – o </a:t>
+            </a:r>
+            <a:r>
               <a:rPr lang="ko-KR" altLang="en-US" dirty="0" err="1"/>
-              <a:t>여기어때</a:t>
-            </a:r>
-            <a:r>
-              <a:rPr lang="en-US" altLang="ko-KR" dirty="0"/>
-              <a:t>)</a:t>
+              <a:t>아작스</a:t>
+            </a:r>
+            <a:endParaRPr lang="en-US" altLang="ko-KR" dirty="0"/>
+          </a:p>
+          <a:p>
+            <a:r>
+              <a:rPr lang="en-US" altLang="ko-KR" dirty="0" err="1"/>
+              <a:t>agree.jsp</a:t>
             </a:r>
             <a:endParaRPr lang="ko-KR" altLang="en-US" dirty="0"/>
           </a:p>
@@ -3683,8 +3835,8 @@
         </p:nvSpPr>
         <p:spPr>
           <a:xfrm>
-            <a:off x="6479604" y="300958"/>
-            <a:ext cx="3691156" cy="369332"/>
+            <a:off x="6515025" y="179514"/>
+            <a:ext cx="4529055" cy="646331"/>
           </a:xfrm>
           <a:prstGeom prst="rect">
             <a:avLst/>
@@ -3722,14 +3874,24 @@
               <a:t>)(</a:t>
             </a:r>
             <a:r>
+              <a:rPr lang="ko-KR" altLang="en-US" dirty="0"/>
+              <a:t>여기어때</a:t>
+            </a:r>
+            <a:r>
+              <a:rPr lang="en-US" altLang="ko-KR" dirty="0"/>
+              <a:t>) – </a:t>
+            </a:r>
+            <a:r>
               <a:rPr lang="ko-KR" altLang="en-US" dirty="0" err="1"/>
-              <a:t>여기어때</a:t>
-            </a:r>
-            <a:r>
-              <a:rPr lang="en-US" altLang="ko-KR" dirty="0"/>
-              <a:t>)</a:t>
-            </a:r>
-            <a:endParaRPr lang="ko-KR" altLang="en-US" dirty="0"/>
+              <a:t>아작스</a:t>
+            </a:r>
+            <a:endParaRPr lang="en-US" altLang="ko-KR" dirty="0"/>
+          </a:p>
+          <a:p>
+            <a:r>
+              <a:rPr lang="ko-KR" altLang="en-US" dirty="0"/>
+              <a:t> </a:t>
+            </a:r>
           </a:p>
         </p:txBody>
       </p:sp>
@@ -3868,7 +4030,7 @@
         <p:spPr>
           <a:xfrm>
             <a:off x="664417" y="458033"/>
-            <a:ext cx="3691156" cy="369332"/>
+            <a:ext cx="3691156" cy="646331"/>
           </a:xfrm>
           <a:prstGeom prst="rect">
             <a:avLst/>
@@ -3898,12 +4060,28 @@
               <a:t>X(</a:t>
             </a:r>
             <a:r>
+              <a:rPr lang="ko-KR" altLang="en-US" dirty="0"/>
+              <a:t>여기어때</a:t>
+            </a:r>
+            <a:r>
+              <a:rPr lang="en-US" altLang="ko-KR" dirty="0"/>
+              <a:t>) – </a:t>
+            </a:r>
+            <a:r>
               <a:rPr lang="ko-KR" altLang="en-US" dirty="0" err="1"/>
-              <a:t>여기어때</a:t>
+              <a:t>아작스</a:t>
+            </a:r>
+            <a:r>
+              <a:rPr lang="ko-KR" altLang="en-US" dirty="0"/>
+              <a:t> </a:t>
             </a:r>
             <a:r>
               <a:rPr lang="en-US" altLang="ko-KR" dirty="0"/>
-              <a:t>)</a:t>
+              <a:t>o </a:t>
+            </a:r>
+            <a:r>
+              <a:rPr lang="en-US" altLang="ko-KR" dirty="0" err="1"/>
+              <a:t>guestSignUp.jsp</a:t>
             </a:r>
             <a:endParaRPr lang="ko-KR" altLang="en-US" dirty="0"/>
           </a:p>
@@ -3954,7 +4132,7 @@
         <p:spPr>
           <a:xfrm>
             <a:off x="6392974" y="628060"/>
-            <a:ext cx="3691156" cy="369332"/>
+            <a:ext cx="3691156" cy="646331"/>
           </a:xfrm>
           <a:prstGeom prst="rect">
             <a:avLst/>
@@ -3984,12 +4162,16 @@
               <a:t>o(</a:t>
             </a:r>
             <a:r>
+              <a:rPr lang="ko-KR" altLang="en-US" dirty="0"/>
+              <a:t>여기어때</a:t>
+            </a:r>
+            <a:r>
+              <a:rPr lang="en-US" altLang="ko-KR" dirty="0"/>
+              <a:t>) - </a:t>
+            </a:r>
+            <a:r>
               <a:rPr lang="ko-KR" altLang="en-US" dirty="0" err="1"/>
-              <a:t>여기어때</a:t>
-            </a:r>
-            <a:r>
-              <a:rPr lang="en-US" altLang="ko-KR" dirty="0"/>
-              <a:t>)</a:t>
+              <a:t>아작스</a:t>
             </a:r>
             <a:endParaRPr lang="ko-KR" altLang="en-US" dirty="0"/>
           </a:p>
@@ -4070,7 +4252,7 @@
         <p:spPr>
           <a:xfrm>
             <a:off x="605860" y="499274"/>
-            <a:ext cx="4274680" cy="369332"/>
+            <a:ext cx="4274680" cy="646331"/>
           </a:xfrm>
           <a:prstGeom prst="rect">
             <a:avLst/>
@@ -4097,7 +4279,13 @@
             </a:r>
             <a:r>
               <a:rPr lang="en-US" altLang="ko-KR" dirty="0"/>
-              <a:t>)</a:t>
+              <a:t>) – o</a:t>
+            </a:r>
+          </a:p>
+          <a:p>
+            <a:r>
+              <a:rPr lang="en-US" altLang="ko-KR" dirty="0" err="1"/>
+              <a:t>findPw.jsp</a:t>
             </a:r>
             <a:endParaRPr lang="ko-KR" altLang="en-US" dirty="0"/>
           </a:p>
@@ -4175,7 +4363,11 @@
             </a:r>
             <a:r>
               <a:rPr lang="en-US" altLang="ko-KR" dirty="0"/>
-              <a:t>)</a:t>
+              <a:t>) - </a:t>
+            </a:r>
+            <a:r>
+              <a:rPr lang="ko-KR" altLang="en-US" dirty="0" err="1"/>
+              <a:t>아작스</a:t>
             </a:r>
             <a:endParaRPr lang="ko-KR" altLang="en-US" dirty="0"/>
           </a:p>
@@ -4391,7 +4583,11 @@
             </a:r>
             <a:r>
               <a:rPr lang="en-US" altLang="ko-KR" dirty="0"/>
-              <a:t>)</a:t>
+              <a:t>) - </a:t>
+            </a:r>
+            <a:r>
+              <a:rPr lang="ko-KR" altLang="en-US" dirty="0" err="1"/>
+              <a:t>아작스</a:t>
             </a:r>
             <a:endParaRPr lang="ko-KR" altLang="en-US" dirty="0"/>
           </a:p>
